--- a/2025-Q4/Promises1/2025-10-05-Promises1.pptx
+++ b/2025-Q4/Promises1/2025-10-05-Promises1.pptx
@@ -4271,7 +4271,7 @@
                   </a:schemeClr>
                 </a:solidFill>
               </a:rPr>
-              <a:t>http://tinyurl.com/Promises</a:t>
+              <a:t>http://tinyurl.com/GodOfPromises</a:t>
             </a:r>
           </a:p>
           <a:p>
